--- a/lab6.pptx
+++ b/lab6.pptx
@@ -279,7 +279,7 @@
           <a:p>
             <a:fld id="{D4E32FB8-CEF8-0E4D-AE32-C8CC549FC9AC}" type="datetimeFigureOut">
               <a:rPr lang="en-US" smtClean="0"/>
-              <a:t>10/7/21</a:t>
+              <a:t>3/4/22</a:t>
             </a:fld>
             <a:endParaRPr lang="en-US"/>
           </a:p>
@@ -477,7 +477,7 @@
           <a:p>
             <a:fld id="{D4E32FB8-CEF8-0E4D-AE32-C8CC549FC9AC}" type="datetimeFigureOut">
               <a:rPr lang="en-US" smtClean="0"/>
-              <a:t>10/7/21</a:t>
+              <a:t>3/4/22</a:t>
             </a:fld>
             <a:endParaRPr lang="en-US"/>
           </a:p>
@@ -685,7 +685,7 @@
           <a:p>
             <a:fld id="{D4E32FB8-CEF8-0E4D-AE32-C8CC549FC9AC}" type="datetimeFigureOut">
               <a:rPr lang="en-US" smtClean="0"/>
-              <a:t>10/7/21</a:t>
+              <a:t>3/4/22</a:t>
             </a:fld>
             <a:endParaRPr lang="en-US"/>
           </a:p>
@@ -883,7 +883,7 @@
           <a:p>
             <a:fld id="{D4E32FB8-CEF8-0E4D-AE32-C8CC549FC9AC}" type="datetimeFigureOut">
               <a:rPr lang="en-US" smtClean="0"/>
-              <a:t>10/7/21</a:t>
+              <a:t>3/4/22</a:t>
             </a:fld>
             <a:endParaRPr lang="en-US"/>
           </a:p>
@@ -1158,7 +1158,7 @@
           <a:p>
             <a:fld id="{D4E32FB8-CEF8-0E4D-AE32-C8CC549FC9AC}" type="datetimeFigureOut">
               <a:rPr lang="en-US" smtClean="0"/>
-              <a:t>10/7/21</a:t>
+              <a:t>3/4/22</a:t>
             </a:fld>
             <a:endParaRPr lang="en-US"/>
           </a:p>
@@ -1423,7 +1423,7 @@
           <a:p>
             <a:fld id="{D4E32FB8-CEF8-0E4D-AE32-C8CC549FC9AC}" type="datetimeFigureOut">
               <a:rPr lang="en-US" smtClean="0"/>
-              <a:t>10/7/21</a:t>
+              <a:t>3/4/22</a:t>
             </a:fld>
             <a:endParaRPr lang="en-US"/>
           </a:p>
@@ -1835,7 +1835,7 @@
           <a:p>
             <a:fld id="{D4E32FB8-CEF8-0E4D-AE32-C8CC549FC9AC}" type="datetimeFigureOut">
               <a:rPr lang="en-US" smtClean="0"/>
-              <a:t>10/7/21</a:t>
+              <a:t>3/4/22</a:t>
             </a:fld>
             <a:endParaRPr lang="en-US"/>
           </a:p>
@@ -1976,7 +1976,7 @@
           <a:p>
             <a:fld id="{D4E32FB8-CEF8-0E4D-AE32-C8CC549FC9AC}" type="datetimeFigureOut">
               <a:rPr lang="en-US" smtClean="0"/>
-              <a:t>10/7/21</a:t>
+              <a:t>3/4/22</a:t>
             </a:fld>
             <a:endParaRPr lang="en-US"/>
           </a:p>
@@ -2089,7 +2089,7 @@
           <a:p>
             <a:fld id="{D4E32FB8-CEF8-0E4D-AE32-C8CC549FC9AC}" type="datetimeFigureOut">
               <a:rPr lang="en-US" smtClean="0"/>
-              <a:t>10/7/21</a:t>
+              <a:t>3/4/22</a:t>
             </a:fld>
             <a:endParaRPr lang="en-US"/>
           </a:p>
@@ -2400,7 +2400,7 @@
           <a:p>
             <a:fld id="{D4E32FB8-CEF8-0E4D-AE32-C8CC549FC9AC}" type="datetimeFigureOut">
               <a:rPr lang="en-US" smtClean="0"/>
-              <a:t>10/7/21</a:t>
+              <a:t>3/4/22</a:t>
             </a:fld>
             <a:endParaRPr lang="en-US"/>
           </a:p>
@@ -2688,7 +2688,7 @@
           <a:p>
             <a:fld id="{D4E32FB8-CEF8-0E4D-AE32-C8CC549FC9AC}" type="datetimeFigureOut">
               <a:rPr lang="en-US" smtClean="0"/>
-              <a:t>10/7/21</a:t>
+              <a:t>3/4/22</a:t>
             </a:fld>
             <a:endParaRPr lang="en-US"/>
           </a:p>
@@ -2929,7 +2929,7 @@
           <a:p>
             <a:fld id="{D4E32FB8-CEF8-0E4D-AE32-C8CC549FC9AC}" type="datetimeFigureOut">
               <a:rPr lang="en-US" smtClean="0"/>
-              <a:t>10/7/21</a:t>
+              <a:t>3/4/22</a:t>
             </a:fld>
             <a:endParaRPr lang="en-US"/>
           </a:p>
@@ -3516,15 +3516,27 @@
           <a:lstStyle/>
           <a:p>
             <a:r>
-              <a:rPr lang="en-US" dirty="0"/>
+              <a:rPr lang="en-US" dirty="0">
+                <a:solidFill>
+                  <a:srgbClr val="FF0000"/>
+                </a:solidFill>
+              </a:rPr>
               <a:t>int * </a:t>
             </a:r>
             <a:r>
-              <a:rPr lang="en-US" dirty="0" err="1"/>
+              <a:rPr lang="en-US" dirty="0" err="1">
+                <a:solidFill>
+                  <a:srgbClr val="FF0000"/>
+                </a:solidFill>
+              </a:rPr>
               <a:t>shallow_copy</a:t>
             </a:r>
             <a:r>
-              <a:rPr lang="en-US" dirty="0"/>
+              <a:rPr lang="en-US" dirty="0">
+                <a:solidFill>
+                  <a:srgbClr val="FF0000"/>
+                </a:solidFill>
+              </a:rPr>
               <a:t> = original; </a:t>
             </a:r>
           </a:p>
@@ -3559,97 +3571,185 @@
           <a:lstStyle/>
           <a:p>
             <a:r>
-              <a:rPr lang="en-US" dirty="0"/>
+              <a:rPr lang="en-US" dirty="0">
+                <a:solidFill>
+                  <a:srgbClr val="FF0000"/>
+                </a:solidFill>
+              </a:rPr>
               <a:t>int </a:t>
             </a:r>
             <a:r>
-              <a:rPr lang="en-US" dirty="0" err="1"/>
+              <a:rPr lang="en-US" dirty="0" err="1">
+                <a:solidFill>
+                  <a:srgbClr val="FF0000"/>
+                </a:solidFill>
+              </a:rPr>
               <a:t>deepcopy</a:t>
             </a:r>
             <a:r>
-              <a:rPr lang="en-US" dirty="0"/>
+              <a:rPr lang="en-US" dirty="0">
+                <a:solidFill>
+                  <a:srgbClr val="FF0000"/>
+                </a:solidFill>
+              </a:rPr>
               <a:t>[</a:t>
             </a:r>
             <a:r>
-              <a:rPr lang="en-US" dirty="0" err="1"/>
+              <a:rPr lang="en-US" dirty="0" err="1">
+                <a:solidFill>
+                  <a:srgbClr val="FF0000"/>
+                </a:solidFill>
+              </a:rPr>
               <a:t>num_elements</a:t>
             </a:r>
             <a:r>
-              <a:rPr lang="en-US" dirty="0"/>
+              <a:rPr lang="en-US" dirty="0">
+                <a:solidFill>
+                  <a:srgbClr val="FF0000"/>
+                </a:solidFill>
+              </a:rPr>
               <a:t>];</a:t>
             </a:r>
           </a:p>
           <a:p>
             <a:r>
-              <a:rPr lang="en-US" dirty="0"/>
+              <a:rPr lang="en-US" dirty="0">
+                <a:solidFill>
+                  <a:srgbClr val="FF0000"/>
+                </a:solidFill>
+              </a:rPr>
               <a:t>For(int </a:t>
             </a:r>
             <a:r>
-              <a:rPr lang="en-US" dirty="0" err="1"/>
+              <a:rPr lang="en-US" dirty="0" err="1">
+                <a:solidFill>
+                  <a:srgbClr val="FF0000"/>
+                </a:solidFill>
+              </a:rPr>
               <a:t>i</a:t>
             </a:r>
             <a:r>
-              <a:rPr lang="en-US" dirty="0"/>
+              <a:rPr lang="en-US" dirty="0">
+                <a:solidFill>
+                  <a:srgbClr val="FF0000"/>
+                </a:solidFill>
+              </a:rPr>
               <a:t> = 0 ; </a:t>
             </a:r>
             <a:r>
-              <a:rPr lang="en-US" dirty="0" err="1"/>
+              <a:rPr lang="en-US" dirty="0" err="1">
+                <a:solidFill>
+                  <a:srgbClr val="FF0000"/>
+                </a:solidFill>
+              </a:rPr>
               <a:t>i</a:t>
             </a:r>
             <a:r>
-              <a:rPr lang="en-US" dirty="0"/>
+              <a:rPr lang="en-US" dirty="0">
+                <a:solidFill>
+                  <a:srgbClr val="FF0000"/>
+                </a:solidFill>
+              </a:rPr>
               <a:t> &lt;  </a:t>
             </a:r>
             <a:r>
-              <a:rPr lang="en-US" dirty="0" err="1"/>
+              <a:rPr lang="en-US" dirty="0" err="1">
+                <a:solidFill>
+                  <a:srgbClr val="FF0000"/>
+                </a:solidFill>
+              </a:rPr>
               <a:t>num_elements</a:t>
             </a:r>
             <a:r>
-              <a:rPr lang="en-US" dirty="0"/>
+              <a:rPr lang="en-US" dirty="0">
+                <a:solidFill>
+                  <a:srgbClr val="FF0000"/>
+                </a:solidFill>
+              </a:rPr>
               <a:t>; </a:t>
             </a:r>
             <a:r>
-              <a:rPr lang="en-US" dirty="0" err="1"/>
+              <a:rPr lang="en-US" dirty="0" err="1">
+                <a:solidFill>
+                  <a:srgbClr val="FF0000"/>
+                </a:solidFill>
+              </a:rPr>
               <a:t>i</a:t>
             </a:r>
             <a:r>
-              <a:rPr lang="en-US" dirty="0"/>
+              <a:rPr lang="en-US" dirty="0">
+                <a:solidFill>
+                  <a:srgbClr val="FF0000"/>
+                </a:solidFill>
+              </a:rPr>
               <a:t> ++){</a:t>
             </a:r>
           </a:p>
           <a:p>
             <a:r>
-              <a:rPr lang="en-US" dirty="0"/>
+              <a:rPr lang="en-US" dirty="0">
+                <a:solidFill>
+                  <a:srgbClr val="FF0000"/>
+                </a:solidFill>
+              </a:rPr>
               <a:t>    </a:t>
             </a:r>
             <a:r>
-              <a:rPr lang="en-US" dirty="0" err="1"/>
+              <a:rPr lang="en-US" dirty="0" err="1">
+                <a:solidFill>
+                  <a:srgbClr val="FF0000"/>
+                </a:solidFill>
+              </a:rPr>
               <a:t>deep_copy</a:t>
             </a:r>
             <a:r>
-              <a:rPr lang="en-US" dirty="0"/>
+              <a:rPr lang="en-US" dirty="0">
+                <a:solidFill>
+                  <a:srgbClr val="FF0000"/>
+                </a:solidFill>
+              </a:rPr>
               <a:t>[</a:t>
             </a:r>
             <a:r>
-              <a:rPr lang="en-US" dirty="0" err="1"/>
+              <a:rPr lang="en-US" dirty="0" err="1">
+                <a:solidFill>
+                  <a:srgbClr val="FF0000"/>
+                </a:solidFill>
+              </a:rPr>
               <a:t>i</a:t>
             </a:r>
             <a:r>
-              <a:rPr lang="en-US" dirty="0"/>
+              <a:rPr lang="en-US" dirty="0">
+                <a:solidFill>
+                  <a:srgbClr val="FF0000"/>
+                </a:solidFill>
+              </a:rPr>
               <a:t>] = original[</a:t>
             </a:r>
             <a:r>
-              <a:rPr lang="en-US" dirty="0" err="1"/>
+              <a:rPr lang="en-US" dirty="0" err="1">
+                <a:solidFill>
+                  <a:srgbClr val="FF0000"/>
+                </a:solidFill>
+              </a:rPr>
               <a:t>i</a:t>
             </a:r>
             <a:r>
-              <a:rPr lang="en-US" dirty="0"/>
+              <a:rPr lang="en-US" dirty="0">
+                <a:solidFill>
+                  <a:srgbClr val="FF0000"/>
+                </a:solidFill>
+              </a:rPr>
               <a:t>];</a:t>
             </a:r>
           </a:p>
           <a:p>
             <a:r>
-              <a:rPr lang="en-US" dirty="0"/>
+              <a:rPr lang="en-US" dirty="0">
+                <a:solidFill>
+                  <a:srgbClr val="FF0000"/>
+                </a:solidFill>
+              </a:rPr>
               <a:t>}</a:t>
             </a:r>
           </a:p>
@@ -5607,8 +5707,8 @@
           </a:p>
         </p:txBody>
       </p:sp>
-      <mc:AlternateContent xmlns:mc="http://schemas.openxmlformats.org/markup-compatibility/2006">
-        <mc:Choice xmlns:a14="http://schemas.microsoft.com/office/drawing/2010/main" Requires="a14">
+      <mc:AlternateContent xmlns:mc="http://schemas.openxmlformats.org/markup-compatibility/2006" xmlns:a14="http://schemas.microsoft.com/office/drawing/2010/main">
+        <mc:Choice Requires="a14">
           <p:sp>
             <p:nvSpPr>
               <p:cNvPr id="4" name="TextBox 3">
@@ -5914,7 +6014,7 @@
             </p:txBody>
           </p:sp>
         </mc:Choice>
-        <mc:Fallback>
+        <mc:Fallback xmlns="">
           <p:sp>
             <p:nvSpPr>
               <p:cNvPr id="4" name="TextBox 3">
@@ -7396,8 +7496,8 @@
           </p:sp>
         </mc:Fallback>
       </mc:AlternateContent>
-      <mc:AlternateContent xmlns:mc="http://schemas.openxmlformats.org/markup-compatibility/2006">
-        <mc:Choice xmlns:a14="http://schemas.microsoft.com/office/drawing/2010/main" Requires="a14">
+      <mc:AlternateContent xmlns:mc="http://schemas.openxmlformats.org/markup-compatibility/2006" xmlns:a14="http://schemas.microsoft.com/office/drawing/2010/main">
+        <mc:Choice Requires="a14">
           <p:sp>
             <p:nvSpPr>
               <p:cNvPr id="7" name="TextBox 6">
@@ -7552,7 +7652,7 @@
             </p:txBody>
           </p:sp>
         </mc:Choice>
-        <mc:Fallback>
+        <mc:Fallback xmlns="">
           <p:sp>
             <p:nvSpPr>
               <p:cNvPr id="7" name="TextBox 6">
@@ -7597,8 +7697,8 @@
           </p:sp>
         </mc:Fallback>
       </mc:AlternateContent>
-      <mc:AlternateContent xmlns:mc="http://schemas.openxmlformats.org/markup-compatibility/2006">
-        <mc:Choice xmlns:a14="http://schemas.microsoft.com/office/drawing/2010/main" Requires="a14">
+      <mc:AlternateContent xmlns:mc="http://schemas.openxmlformats.org/markup-compatibility/2006" xmlns:a14="http://schemas.microsoft.com/office/drawing/2010/main">
+        <mc:Choice Requires="a14">
           <p:sp>
             <p:nvSpPr>
               <p:cNvPr id="8" name="TextBox 7">
@@ -7711,7 +7811,7 @@
             </p:txBody>
           </p:sp>
         </mc:Choice>
-        <mc:Fallback>
+        <mc:Fallback xmlns="">
           <p:sp>
             <p:nvSpPr>
               <p:cNvPr id="8" name="TextBox 7">
@@ -8176,7 +8276,7 @@
         <p:spPr>
           <a:xfrm>
             <a:off x="838200" y="4251794"/>
-            <a:ext cx="4217373" cy="646331"/>
+            <a:ext cx="2827569" cy="646331"/>
           </a:xfrm>
           <a:prstGeom prst="rect">
             <a:avLst/>
@@ -8195,15 +8295,7 @@
             </a:r>
             <a:r>
               <a:rPr lang="en-US" sz="3600" dirty="0"/>
-              <a:t>[</a:t>
-            </a:r>
-            <a:r>
-              <a:rPr lang="en-US" sz="3600" dirty="0" err="1"/>
-              <a:t>i</a:t>
-            </a:r>
-            <a:r>
-              <a:rPr lang="en-US" sz="3600" dirty="0"/>
-              <a:t> * N + j]</a:t>
+              <a:t>[]</a:t>
             </a:r>
           </a:p>
         </p:txBody>
@@ -8223,7 +8315,7 @@
         <p:spPr>
           <a:xfrm>
             <a:off x="592394" y="5344400"/>
-            <a:ext cx="4318362" cy="646331"/>
+            <a:ext cx="2827569" cy="646331"/>
           </a:xfrm>
           <a:prstGeom prst="rect">
             <a:avLst/>
@@ -8242,15 +8334,7 @@
             </a:r>
             <a:r>
               <a:rPr lang="en-US" sz="3600" dirty="0"/>
-              <a:t>[j * M + </a:t>
-            </a:r>
-            <a:r>
-              <a:rPr lang="en-US" sz="3600" dirty="0" err="1"/>
-              <a:t>i</a:t>
-            </a:r>
-            <a:r>
-              <a:rPr lang="en-US" sz="3600" dirty="0"/>
-              <a:t>]</a:t>
+              <a:t>[]</a:t>
             </a:r>
           </a:p>
         </p:txBody>
